--- a/23與神和好.pptx
+++ b/23與神和好.pptx
@@ -250,7 +250,7 @@
             <a:fld id="{86B5546F-C09B-4E63-ABC5-F7C86A7E8D66}" type="datetimeFigureOut">
               <a:rPr lang="en-US" smtClean="0"/>
               <a:pPr/>
-              <a:t>12/15/2018</a:t>
+              <a:t>3/5/2016</a:t>
             </a:fld>
             <a:endParaRPr lang="en-US"/>
           </a:p>
@@ -1121,7 +1121,7 @@
             <a:fld id="{86B5546F-C09B-4E63-ABC5-F7C86A7E8D66}" type="datetimeFigureOut">
               <a:rPr lang="en-US" smtClean="0"/>
               <a:pPr/>
-              <a:t>12/15/2018</a:t>
+              <a:t>3/5/2016</a:t>
             </a:fld>
             <a:endParaRPr lang="en-US"/>
           </a:p>
@@ -1298,7 +1298,7 @@
             <a:fld id="{86B5546F-C09B-4E63-ABC5-F7C86A7E8D66}" type="datetimeFigureOut">
               <a:rPr lang="en-US" smtClean="0"/>
               <a:pPr/>
-              <a:t>12/15/2018</a:t>
+              <a:t>3/5/2016</a:t>
             </a:fld>
             <a:endParaRPr lang="en-US"/>
           </a:p>
@@ -1470,7 +1470,7 @@
             <a:fld id="{86B5546F-C09B-4E63-ABC5-F7C86A7E8D66}" type="datetimeFigureOut">
               <a:rPr lang="en-US" smtClean="0"/>
               <a:pPr/>
-              <a:t>12/15/2018</a:t>
+              <a:t>3/5/2016</a:t>
             </a:fld>
             <a:endParaRPr lang="en-US"/>
           </a:p>
@@ -1682,7 +1682,7 @@
             <a:fld id="{86B5546F-C09B-4E63-ABC5-F7C86A7E8D66}" type="datetimeFigureOut">
               <a:rPr lang="en-US" smtClean="0"/>
               <a:pPr/>
-              <a:t>12/15/2018</a:t>
+              <a:t>3/5/2016</a:t>
             </a:fld>
             <a:endParaRPr lang="en-US"/>
           </a:p>
@@ -2498,7 +2498,7 @@
             <a:fld id="{86B5546F-C09B-4E63-ABC5-F7C86A7E8D66}" type="datetimeFigureOut">
               <a:rPr lang="en-US" smtClean="0"/>
               <a:pPr/>
-              <a:t>12/15/2018</a:t>
+              <a:t>3/5/2016</a:t>
             </a:fld>
             <a:endParaRPr lang="en-US"/>
           </a:p>
@@ -2736,7 +2736,7 @@
             <a:fld id="{86B5546F-C09B-4E63-ABC5-F7C86A7E8D66}" type="datetimeFigureOut">
               <a:rPr lang="en-US" smtClean="0"/>
               <a:pPr/>
-              <a:t>12/15/2018</a:t>
+              <a:t>3/5/2016</a:t>
             </a:fld>
             <a:endParaRPr lang="en-US"/>
           </a:p>
@@ -3061,7 +3061,7 @@
             <a:fld id="{86B5546F-C09B-4E63-ABC5-F7C86A7E8D66}" type="datetimeFigureOut">
               <a:rPr lang="en-US" smtClean="0"/>
               <a:pPr/>
-              <a:t>12/15/2018</a:t>
+              <a:t>3/5/2016</a:t>
             </a:fld>
             <a:endParaRPr lang="en-US"/>
           </a:p>
@@ -3153,7 +3153,7 @@
             <a:fld id="{86B5546F-C09B-4E63-ABC5-F7C86A7E8D66}" type="datetimeFigureOut">
               <a:rPr lang="en-US" smtClean="0"/>
               <a:pPr/>
-              <a:t>12/15/2018</a:t>
+              <a:t>3/5/2016</a:t>
             </a:fld>
             <a:endParaRPr lang="en-US"/>
           </a:p>
@@ -3672,7 +3672,7 @@
             <a:fld id="{86B5546F-C09B-4E63-ABC5-F7C86A7E8D66}" type="datetimeFigureOut">
               <a:rPr lang="en-US" smtClean="0"/>
               <a:pPr/>
-              <a:t>12/15/2018</a:t>
+              <a:t>3/5/2016</a:t>
             </a:fld>
             <a:endParaRPr lang="en-US"/>
           </a:p>
@@ -4185,7 +4185,7 @@
             <a:fld id="{86B5546F-C09B-4E63-ABC5-F7C86A7E8D66}" type="datetimeFigureOut">
               <a:rPr lang="en-US" smtClean="0"/>
               <a:pPr/>
-              <a:t>12/15/2018</a:t>
+              <a:t>3/5/2016</a:t>
             </a:fld>
             <a:endParaRPr lang="en-US"/>
           </a:p>
@@ -4432,7 +4432,7 @@
             <a:fld id="{86B5546F-C09B-4E63-ABC5-F7C86A7E8D66}" type="datetimeFigureOut">
               <a:rPr lang="en-US" smtClean="0"/>
               <a:pPr/>
-              <a:t>12/15/2018</a:t>
+              <a:t>3/5/2016</a:t>
             </a:fld>
             <a:endParaRPr lang="en-US"/>
           </a:p>
@@ -5056,16 +5056,10 @@
           <a:lstStyle/>
           <a:p>
             <a:r>
-              <a:rPr lang="zh-CN" altLang="en-US" sz="8000" dirty="0" smtClean="0">
-                <a:latin typeface="微軟正黑體" pitchFamily="34" charset="-120"/>
-                <a:ea typeface="微軟正黑體" pitchFamily="34" charset="-120"/>
-              </a:rPr>
+              <a:rPr lang="zh-CN" altLang="en-US" sz="8000" dirty="0" smtClean="0"/>
               <a:t>與神和好</a:t>
             </a:r>
-            <a:endParaRPr lang="en-US" sz="8000" dirty="0">
-              <a:latin typeface="微軟正黑體" pitchFamily="34" charset="-120"/>
-              <a:ea typeface="微軟正黑體" pitchFamily="34" charset="-120"/>
-            </a:endParaRPr>
+            <a:endParaRPr lang="en-US" sz="8000" dirty="0"/>
           </a:p>
         </p:txBody>
       </p:sp>
@@ -5087,107 +5081,62 @@
           <a:lstStyle/>
           <a:p>
             <a:r>
-              <a:rPr lang="zh-CN" altLang="en-US" dirty="0" smtClean="0">
-                <a:latin typeface="微軟正黑體" pitchFamily="34" charset="-120"/>
-                <a:ea typeface="微軟正黑體" pitchFamily="34" charset="-120"/>
-              </a:rPr>
+              <a:rPr lang="zh-CN" altLang="en-US" dirty="0" smtClean="0"/>
               <a:t>西</a:t>
             </a:r>
             <a:r>
-              <a:rPr lang="en-US" altLang="zh-CN" dirty="0" smtClean="0">
-                <a:latin typeface="微軟正黑體" pitchFamily="34" charset="-120"/>
-                <a:ea typeface="微軟正黑體" pitchFamily="34" charset="-120"/>
-              </a:rPr>
+              <a:rPr lang="en-US" altLang="zh-CN" dirty="0" smtClean="0"/>
               <a:t>1</a:t>
             </a:r>
             <a:r>
-              <a:rPr lang="zh-CN" altLang="en-US" dirty="0" smtClean="0">
-                <a:latin typeface="微軟正黑體" pitchFamily="34" charset="-120"/>
-                <a:ea typeface="微軟正黑體" pitchFamily="34" charset="-120"/>
-              </a:rPr>
+              <a:rPr lang="zh-CN" altLang="en-US" dirty="0" smtClean="0"/>
               <a:t>：</a:t>
             </a:r>
             <a:r>
-              <a:rPr lang="en-US" altLang="zh-CN" dirty="0" smtClean="0">
-                <a:latin typeface="微軟正黑體" pitchFamily="34" charset="-120"/>
-                <a:ea typeface="微軟正黑體" pitchFamily="34" charset="-120"/>
-              </a:rPr>
+              <a:rPr lang="en-US" altLang="zh-CN" dirty="0" smtClean="0"/>
               <a:t>21-22</a:t>
             </a:r>
             <a:r>
-              <a:rPr lang="zh-CN" altLang="en-US" dirty="0" smtClean="0">
-                <a:latin typeface="微軟正黑體" pitchFamily="34" charset="-120"/>
-                <a:ea typeface="微軟正黑體" pitchFamily="34" charset="-120"/>
-              </a:rPr>
+              <a:rPr lang="zh-CN" altLang="en-US" dirty="0" smtClean="0"/>
               <a:t>；林後</a:t>
             </a:r>
             <a:r>
-              <a:rPr lang="en-US" altLang="zh-CN" dirty="0" smtClean="0">
-                <a:latin typeface="微軟正黑體" pitchFamily="34" charset="-120"/>
-                <a:ea typeface="微軟正黑體" pitchFamily="34" charset="-120"/>
-              </a:rPr>
+              <a:rPr lang="en-US" altLang="zh-CN" dirty="0" smtClean="0"/>
               <a:t>5</a:t>
             </a:r>
             <a:r>
-              <a:rPr lang="zh-CN" altLang="en-US" dirty="0" smtClean="0">
-                <a:latin typeface="微軟正黑體" pitchFamily="34" charset="-120"/>
-                <a:ea typeface="微軟正黑體" pitchFamily="34" charset="-120"/>
-              </a:rPr>
+              <a:rPr lang="zh-CN" altLang="en-US" dirty="0" smtClean="0"/>
               <a:t>：</a:t>
             </a:r>
             <a:r>
-              <a:rPr lang="en-US" altLang="zh-CN" dirty="0" smtClean="0">
-                <a:latin typeface="微軟正黑體" pitchFamily="34" charset="-120"/>
-                <a:ea typeface="微軟正黑體" pitchFamily="34" charset="-120"/>
-              </a:rPr>
+              <a:rPr lang="en-US" altLang="zh-CN" dirty="0" smtClean="0"/>
               <a:t>18-20</a:t>
             </a:r>
             <a:r>
-              <a:rPr lang="zh-CN" altLang="en-US" dirty="0" smtClean="0">
-                <a:latin typeface="微軟正黑體" pitchFamily="34" charset="-120"/>
-                <a:ea typeface="微軟正黑體" pitchFamily="34" charset="-120"/>
-              </a:rPr>
+              <a:rPr lang="zh-CN" altLang="en-US" dirty="0" smtClean="0"/>
               <a:t>，</a:t>
             </a:r>
             <a:r>
-              <a:rPr lang="en-US" altLang="zh-CN" dirty="0" smtClean="0">
-                <a:latin typeface="微軟正黑體" pitchFamily="34" charset="-120"/>
-                <a:ea typeface="微軟正黑體" pitchFamily="34" charset="-120"/>
-              </a:rPr>
+              <a:rPr lang="en-US" altLang="zh-CN" dirty="0" smtClean="0"/>
               <a:t>17</a:t>
             </a:r>
             <a:r>
-              <a:rPr lang="zh-CN" altLang="en-US" dirty="0" smtClean="0">
-                <a:latin typeface="微軟正黑體" pitchFamily="34" charset="-120"/>
-                <a:ea typeface="微軟正黑體" pitchFamily="34" charset="-120"/>
-              </a:rPr>
+              <a:rPr lang="zh-CN" altLang="en-US" dirty="0" smtClean="0"/>
               <a:t>；羅</a:t>
             </a:r>
             <a:r>
-              <a:rPr lang="en-US" altLang="zh-CN" dirty="0" smtClean="0">
-                <a:latin typeface="微軟正黑體" pitchFamily="34" charset="-120"/>
-                <a:ea typeface="微軟正黑體" pitchFamily="34" charset="-120"/>
-              </a:rPr>
+              <a:rPr lang="en-US" altLang="zh-CN" dirty="0" smtClean="0"/>
               <a:t>5</a:t>
             </a:r>
             <a:r>
-              <a:rPr lang="zh-CN" altLang="en-US" dirty="0" smtClean="0">
-                <a:latin typeface="微軟正黑體" pitchFamily="34" charset="-120"/>
-                <a:ea typeface="微軟正黑體" pitchFamily="34" charset="-120"/>
-              </a:rPr>
+              <a:rPr lang="zh-CN" altLang="en-US" dirty="0" smtClean="0"/>
               <a:t>：</a:t>
             </a:r>
             <a:r>
-              <a:rPr lang="en-US" altLang="zh-CN" dirty="0" smtClean="0">
-                <a:latin typeface="微軟正黑體" pitchFamily="34" charset="-120"/>
-                <a:ea typeface="微軟正黑體" pitchFamily="34" charset="-120"/>
-              </a:rPr>
+              <a:rPr lang="en-US" altLang="zh-CN" dirty="0" smtClean="0"/>
               <a:t>10-11</a:t>
             </a:r>
-            <a:endParaRPr lang="en-US" dirty="0">
-              <a:latin typeface="微軟正黑體" pitchFamily="34" charset="-120"/>
-              <a:ea typeface="微軟正黑體" pitchFamily="34" charset="-120"/>
-            </a:endParaRPr>
+            <a:endParaRPr lang="en-US" dirty="0"/>
           </a:p>
         </p:txBody>
       </p:sp>
@@ -5239,33 +5188,21 @@
           <a:lstStyle/>
           <a:p>
             <a:r>
-              <a:rPr lang="zh-TW" altLang="en-US" sz="6000" dirty="0" smtClean="0">
-                <a:latin typeface="微軟正黑體" pitchFamily="34" charset="-120"/>
-                <a:ea typeface="微軟正黑體" pitchFamily="34" charset="-120"/>
-              </a:rPr>
+              <a:rPr lang="zh-TW" altLang="en-US" sz="6000" dirty="0" smtClean="0"/>
               <a:t>你們從前與神隔絕，因著惡行，心裡與他為敵。</a:t>
             </a:r>
             <a:r>
-              <a:rPr lang="en-US" altLang="zh-TW" sz="6000" dirty="0" smtClean="0">
-                <a:latin typeface="微軟正黑體" pitchFamily="34" charset="-120"/>
-                <a:ea typeface="微軟正黑體" pitchFamily="34" charset="-120"/>
-              </a:rPr>
+              <a:rPr lang="en-US" altLang="zh-TW" sz="6000" dirty="0" smtClean="0"/>
               <a:t> </a:t>
             </a:r>
           </a:p>
           <a:p>
             <a:r>
-              <a:rPr lang="zh-TW" altLang="en-US" sz="6000" b="1" dirty="0" smtClean="0">
-                <a:latin typeface="微軟正黑體" pitchFamily="34" charset="-120"/>
-                <a:ea typeface="微軟正黑體" pitchFamily="34" charset="-120"/>
-              </a:rPr>
+              <a:rPr lang="zh-TW" altLang="en-US" sz="6000" b="1" dirty="0" smtClean="0"/>
               <a:t>但如今他藉著基督的肉身受死，叫你們與自己和好，都成了聖潔，沒有瑕疵，無可責備，把你們引到自己面前。</a:t>
             </a:r>
             <a:r>
-              <a:rPr lang="en-US" altLang="zh-TW" sz="6000" b="1" dirty="0" smtClean="0">
-                <a:latin typeface="微軟正黑體" pitchFamily="34" charset="-120"/>
-                <a:ea typeface="微軟正黑體" pitchFamily="34" charset="-120"/>
-              </a:rPr>
+              <a:rPr lang="en-US" altLang="zh-TW" sz="6000" b="1" dirty="0" smtClean="0"/>
               <a:t> </a:t>
             </a:r>
           </a:p>
@@ -5319,17 +5256,11 @@
           <a:lstStyle/>
           <a:p>
             <a:r>
-              <a:rPr lang="zh-TW" altLang="en-US" sz="6000" dirty="0" smtClean="0">
-                <a:latin typeface="微軟正黑體" pitchFamily="34" charset="-120"/>
-                <a:ea typeface="微軟正黑體" pitchFamily="34" charset="-120"/>
-              </a:rPr>
+              <a:rPr lang="zh-TW" altLang="en-US" sz="6000" dirty="0" smtClean="0"/>
               <a:t>一切都是出於神；他藉著基督使我們與他和好，又將勸人與他和好的職分賜給我們。</a:t>
             </a:r>
             <a:r>
-              <a:rPr lang="en-US" altLang="zh-TW" sz="6000" dirty="0" smtClean="0">
-                <a:latin typeface="微軟正黑體" pitchFamily="34" charset="-120"/>
-                <a:ea typeface="微軟正黑體" pitchFamily="34" charset="-120"/>
-              </a:rPr>
+              <a:rPr lang="en-US" altLang="zh-TW" sz="6000" dirty="0" smtClean="0"/>
               <a:t> </a:t>
             </a:r>
           </a:p>
@@ -5383,17 +5314,15 @@
           <a:lstStyle/>
           <a:p>
             <a:r>
-              <a:rPr lang="zh-TW" altLang="en-US" sz="6000" b="1" dirty="0" smtClean="0">
-                <a:latin typeface="微軟正黑體" pitchFamily="34" charset="-120"/>
-                <a:ea typeface="微軟正黑體" pitchFamily="34" charset="-120"/>
-              </a:rPr>
-              <a:t>這就是神在基督裡，叫世人與自己和好，不將他們的過犯歸到他們身上，並且將這和好的道理託付了我們。</a:t>
-            </a:r>
-            <a:r>
-              <a:rPr lang="en-US" altLang="zh-TW" sz="6000" b="1" dirty="0" smtClean="0">
-                <a:latin typeface="微軟正黑體" pitchFamily="34" charset="-120"/>
-                <a:ea typeface="微軟正黑體" pitchFamily="34" charset="-120"/>
-              </a:rPr>
+              <a:rPr lang="zh-TW" altLang="en-US" sz="6000" b="1" dirty="0" smtClean="0"/>
+              <a:t>這</a:t>
+            </a:r>
+            <a:r>
+              <a:rPr lang="zh-TW" altLang="en-US" sz="6000" b="1" dirty="0" smtClean="0"/>
+              <a:t>就是神在基督裡，叫世人與自己和好，不將他們的過犯歸到他們身上，並且將這和好的道理託付了我們。</a:t>
+            </a:r>
+            <a:r>
+              <a:rPr lang="en-US" altLang="zh-TW" sz="6000" b="1" dirty="0" smtClean="0"/>
               <a:t> </a:t>
             </a:r>
           </a:p>
@@ -5447,30 +5376,18 @@
           <a:lstStyle/>
           <a:p>
             <a:r>
-              <a:rPr lang="zh-TW" altLang="en-US" sz="6000" dirty="0" smtClean="0">
-                <a:latin typeface="微軟正黑體" pitchFamily="34" charset="-120"/>
-                <a:ea typeface="微軟正黑體" pitchFamily="34" charset="-120"/>
-              </a:rPr>
+              <a:rPr lang="zh-TW" altLang="en-US" sz="6000" dirty="0" smtClean="0"/>
               <a:t>所以，我們作基督的使者，就好像神藉我們勸你們一般。我們替基督求你們與神和好。</a:t>
             </a:r>
-            <a:endParaRPr lang="en-US" altLang="zh-TW" sz="6000" dirty="0" smtClean="0">
-              <a:latin typeface="微軟正黑體" pitchFamily="34" charset="-120"/>
-              <a:ea typeface="微軟正黑體" pitchFamily="34" charset="-120"/>
-            </a:endParaRPr>
-          </a:p>
-          <a:p>
-            <a:r>
-              <a:rPr lang="zh-TW" altLang="en-US" sz="6000" b="1" dirty="0" smtClean="0">
-                <a:latin typeface="微軟正黑體" pitchFamily="34" charset="-120"/>
-                <a:ea typeface="微軟正黑體" pitchFamily="34" charset="-120"/>
-              </a:rPr>
+            <a:endParaRPr lang="en-US" altLang="zh-TW" sz="6000" dirty="0" smtClean="0"/>
+          </a:p>
+          <a:p>
+            <a:r>
+              <a:rPr lang="zh-TW" altLang="en-US" sz="6000" b="1" dirty="0" smtClean="0"/>
               <a:t>若有人在基督裡，他就是新造的人，舊事已過，都變成新的了。</a:t>
             </a:r>
             <a:r>
-              <a:rPr lang="en-US" altLang="zh-TW" sz="6000" b="1" dirty="0" smtClean="0">
-                <a:latin typeface="微軟正黑體" pitchFamily="34" charset="-120"/>
-                <a:ea typeface="微軟正黑體" pitchFamily="34" charset="-120"/>
-              </a:rPr>
+              <a:rPr lang="en-US" altLang="zh-TW" sz="6000" b="1" dirty="0" smtClean="0"/>
               <a:t> </a:t>
             </a:r>
           </a:p>
@@ -5524,33 +5441,21 @@
           <a:lstStyle/>
           <a:p>
             <a:r>
-              <a:rPr lang="zh-TW" altLang="en-US" sz="6000" dirty="0" smtClean="0">
-                <a:latin typeface="微軟正黑體" pitchFamily="34" charset="-120"/>
-                <a:ea typeface="微軟正黑體" pitchFamily="34" charset="-120"/>
-              </a:rPr>
+              <a:rPr lang="zh-TW" altLang="en-US" sz="6000" dirty="0" smtClean="0"/>
               <a:t>因為我們作仇敵的時候，且藉著神兒子的死，得與神和好；既已和好，就更要因他的生得救了。</a:t>
             </a:r>
             <a:r>
-              <a:rPr lang="en-US" altLang="zh-TW" sz="6000" dirty="0" smtClean="0">
-                <a:latin typeface="微軟正黑體" pitchFamily="34" charset="-120"/>
-                <a:ea typeface="微軟正黑體" pitchFamily="34" charset="-120"/>
-              </a:rPr>
+              <a:rPr lang="en-US" altLang="zh-TW" sz="6000" dirty="0" smtClean="0"/>
               <a:t> </a:t>
             </a:r>
           </a:p>
           <a:p>
             <a:r>
-              <a:rPr lang="zh-TW" altLang="en-US" sz="6000" b="1" dirty="0" smtClean="0">
-                <a:latin typeface="微軟正黑體" pitchFamily="34" charset="-120"/>
-                <a:ea typeface="微軟正黑體" pitchFamily="34" charset="-120"/>
-              </a:rPr>
+              <a:rPr lang="zh-TW" altLang="en-US" sz="6000" b="1" dirty="0" smtClean="0"/>
               <a:t>不但如此，我們既藉著我主耶穌基督得與神和好，也就藉著他以神為樂。</a:t>
             </a:r>
             <a:r>
-              <a:rPr lang="en-US" altLang="zh-TW" sz="6000" b="1" dirty="0" smtClean="0">
-                <a:latin typeface="微軟正黑體" pitchFamily="34" charset="-120"/>
-                <a:ea typeface="微軟正黑體" pitchFamily="34" charset="-120"/>
-              </a:rPr>
+              <a:rPr lang="en-US" altLang="zh-TW" sz="6000" b="1" dirty="0" smtClean="0"/>
               <a:t> </a:t>
             </a:r>
           </a:p>
